--- a/images/theory_analysis/VRRP/VRRP.pptx
+++ b/images/theory_analysis/VRRP/VRRP.pptx
@@ -214,7 +214,7 @@
           <a:p>
             <a:fld id="{6CD5550B-26C4-49A9-A5BA-636EF7BE6CE9}" type="datetimeFigureOut">
               <a:rPr lang="ko-KR" altLang="en-US" smtClean="0"/>
-              <a:t>2018-12-05</a:t>
+              <a:t>2018-12-06</a:t>
             </a:fld>
             <a:endParaRPr lang="ko-KR" altLang="en-US"/>
           </a:p>
@@ -828,7 +828,7 @@
           <a:p>
             <a:fld id="{FB30EDBD-1C2D-4C1E-B459-B60219FAB484}" type="datetimeFigureOut">
               <a:rPr lang="ko-KR" altLang="en-US" smtClean="0"/>
-              <a:t>2018-12-05</a:t>
+              <a:t>2018-12-06</a:t>
             </a:fld>
             <a:endParaRPr lang="ko-KR" altLang="en-US"/>
           </a:p>
@@ -991,7 +991,7 @@
           <a:p>
             <a:fld id="{FB30EDBD-1C2D-4C1E-B459-B60219FAB484}" type="datetimeFigureOut">
               <a:rPr lang="ko-KR" altLang="en-US" smtClean="0"/>
-              <a:t>2018-12-05</a:t>
+              <a:t>2018-12-06</a:t>
             </a:fld>
             <a:endParaRPr lang="ko-KR" altLang="en-US"/>
           </a:p>
@@ -1164,7 +1164,7 @@
           <a:p>
             <a:fld id="{FB30EDBD-1C2D-4C1E-B459-B60219FAB484}" type="datetimeFigureOut">
               <a:rPr lang="ko-KR" altLang="en-US" smtClean="0"/>
-              <a:t>2018-12-05</a:t>
+              <a:t>2018-12-06</a:t>
             </a:fld>
             <a:endParaRPr lang="ko-KR" altLang="en-US"/>
           </a:p>
@@ -1327,7 +1327,7 @@
           <a:p>
             <a:fld id="{FB30EDBD-1C2D-4C1E-B459-B60219FAB484}" type="datetimeFigureOut">
               <a:rPr lang="ko-KR" altLang="en-US" smtClean="0"/>
-              <a:t>2018-12-05</a:t>
+              <a:t>2018-12-06</a:t>
             </a:fld>
             <a:endParaRPr lang="ko-KR" altLang="en-US"/>
           </a:p>
@@ -1567,7 +1567,7 @@
           <a:p>
             <a:fld id="{FB30EDBD-1C2D-4C1E-B459-B60219FAB484}" type="datetimeFigureOut">
               <a:rPr lang="ko-KR" altLang="en-US" smtClean="0"/>
-              <a:t>2018-12-05</a:t>
+              <a:t>2018-12-06</a:t>
             </a:fld>
             <a:endParaRPr lang="ko-KR" altLang="en-US"/>
           </a:p>
@@ -1847,7 +1847,7 @@
           <a:p>
             <a:fld id="{FB30EDBD-1C2D-4C1E-B459-B60219FAB484}" type="datetimeFigureOut">
               <a:rPr lang="ko-KR" altLang="en-US" smtClean="0"/>
-              <a:t>2018-12-05</a:t>
+              <a:t>2018-12-06</a:t>
             </a:fld>
             <a:endParaRPr lang="ko-KR" altLang="en-US"/>
           </a:p>
@@ -2261,7 +2261,7 @@
           <a:p>
             <a:fld id="{FB30EDBD-1C2D-4C1E-B459-B60219FAB484}" type="datetimeFigureOut">
               <a:rPr lang="ko-KR" altLang="en-US" smtClean="0"/>
-              <a:t>2018-12-05</a:t>
+              <a:t>2018-12-06</a:t>
             </a:fld>
             <a:endParaRPr lang="ko-KR" altLang="en-US"/>
           </a:p>
@@ -2373,7 +2373,7 @@
           <a:p>
             <a:fld id="{FB30EDBD-1C2D-4C1E-B459-B60219FAB484}" type="datetimeFigureOut">
               <a:rPr lang="ko-KR" altLang="en-US" smtClean="0"/>
-              <a:t>2018-12-05</a:t>
+              <a:t>2018-12-06</a:t>
             </a:fld>
             <a:endParaRPr lang="ko-KR" altLang="en-US"/>
           </a:p>
@@ -2463,7 +2463,7 @@
           <a:p>
             <a:fld id="{FB30EDBD-1C2D-4C1E-B459-B60219FAB484}" type="datetimeFigureOut">
               <a:rPr lang="ko-KR" altLang="en-US" smtClean="0"/>
-              <a:t>2018-12-05</a:t>
+              <a:t>2018-12-06</a:t>
             </a:fld>
             <a:endParaRPr lang="ko-KR" altLang="en-US"/>
           </a:p>
@@ -2733,7 +2733,7 @@
           <a:p>
             <a:fld id="{FB30EDBD-1C2D-4C1E-B459-B60219FAB484}" type="datetimeFigureOut">
               <a:rPr lang="ko-KR" altLang="en-US" smtClean="0"/>
-              <a:t>2018-12-05</a:t>
+              <a:t>2018-12-06</a:t>
             </a:fld>
             <a:endParaRPr lang="ko-KR" altLang="en-US"/>
           </a:p>
@@ -2980,7 +2980,7 @@
           <a:p>
             <a:fld id="{FB30EDBD-1C2D-4C1E-B459-B60219FAB484}" type="datetimeFigureOut">
               <a:rPr lang="ko-KR" altLang="en-US" smtClean="0"/>
-              <a:t>2018-12-05</a:t>
+              <a:t>2018-12-06</a:t>
             </a:fld>
             <a:endParaRPr lang="ko-KR" altLang="en-US"/>
           </a:p>
@@ -3186,7 +3186,7 @@
           <a:p>
             <a:fld id="{FB30EDBD-1C2D-4C1E-B459-B60219FAB484}" type="datetimeFigureOut">
               <a:rPr lang="ko-KR" altLang="en-US" smtClean="0"/>
-              <a:t>2018-12-05</a:t>
+              <a:t>2018-12-06</a:t>
             </a:fld>
             <a:endParaRPr lang="ko-KR" altLang="en-US"/>
           </a:p>
@@ -3578,7 +3578,7 @@
           <a:p>
             <a:r>
               <a:rPr lang="en-US" altLang="ko-KR"/>
-              <a:t>One Router</a:t>
+              <a:t>Problem</a:t>
             </a:r>
             <a:endParaRPr lang="ko-KR" altLang="en-US"/>
           </a:p>
@@ -3598,7 +3598,7 @@
         </p:nvSpPr>
         <p:spPr>
           <a:xfrm>
-            <a:off x="3887924" y="1059582"/>
+            <a:off x="1490162" y="1246213"/>
             <a:ext cx="1512168" cy="792088"/>
           </a:xfrm>
           <a:prstGeom prst="cloud">
@@ -3622,6 +3622,13 @@
         <p:txBody>
           <a:bodyPr rtlCol="0" anchor="ctr"/>
           <a:lstStyle/>
+          <a:p>
+            <a:pPr algn="ctr"/>
+            <a:r>
+              <a:rPr lang="en-US" altLang="ko-KR" sz="1600"/>
+              <a:t>External</a:t>
+            </a:r>
+          </a:p>
           <a:p>
             <a:pPr algn="ctr"/>
             <a:r>
@@ -3661,7 +3668,7 @@
         </p:blipFill>
         <p:spPr bwMode="auto">
           <a:xfrm>
-            <a:off x="4357413" y="2499742"/>
+            <a:off x="1959651" y="2326333"/>
             <a:ext cx="573190" cy="546672"/>
           </a:xfrm>
           <a:prstGeom prst="rect">
@@ -3693,7 +3700,7 @@
         </p:nvSpPr>
         <p:spPr>
           <a:xfrm>
-            <a:off x="2678834" y="4083918"/>
+            <a:off x="281072" y="3651870"/>
             <a:ext cx="1029070" cy="432048"/>
           </a:xfrm>
           <a:prstGeom prst="roundRect">
@@ -3741,7 +3748,7 @@
         </p:nvSpPr>
         <p:spPr>
           <a:xfrm>
-            <a:off x="5580112" y="4083918"/>
+            <a:off x="3182350" y="3651870"/>
             <a:ext cx="1029070" cy="432048"/>
           </a:xfrm>
           <a:prstGeom prst="roundRect">
@@ -3789,8 +3796,8 @@
         </p:nvSpPr>
         <p:spPr>
           <a:xfrm>
-            <a:off x="3635009" y="2624013"/>
-            <a:ext cx="720967" cy="307777"/>
+            <a:off x="838896" y="2338059"/>
+            <a:ext cx="1117614" cy="523220"/>
           </a:xfrm>
           <a:prstGeom prst="rect">
             <a:avLst/>
@@ -3807,6 +3814,13 @@
             <a:r>
               <a:rPr lang="en-US" altLang="ko-KR" sz="1400"/>
               <a:t>Router</a:t>
+            </a:r>
+          </a:p>
+          <a:p>
+            <a:pPr algn="ctr"/>
+            <a:r>
+              <a:rPr lang="en-US" altLang="ko-KR" sz="1400"/>
+              <a:t>IP : 10.0.0.1</a:t>
             </a:r>
             <a:endParaRPr lang="ko-KR" altLang="en-US" sz="1400"/>
           </a:p>
@@ -3829,8 +3843,8 @@
         </p:nvCxnSpPr>
         <p:spPr>
           <a:xfrm>
-            <a:off x="4644008" y="1850827"/>
-            <a:ext cx="0" cy="648915"/>
+            <a:off x="2246246" y="2037458"/>
+            <a:ext cx="0" cy="288875"/>
           </a:xfrm>
           <a:prstGeom prst="line">
             <a:avLst/>
@@ -3873,8 +3887,8 @@
         </p:nvCxnSpPr>
         <p:spPr>
           <a:xfrm flipV="1">
-            <a:off x="4644008" y="3046414"/>
-            <a:ext cx="0" cy="648072"/>
+            <a:off x="2246246" y="2873005"/>
+            <a:ext cx="0" cy="389432"/>
           </a:xfrm>
           <a:prstGeom prst="line">
             <a:avLst/>
@@ -3916,8 +3930,8 @@
         </p:nvCxnSpPr>
         <p:spPr>
           <a:xfrm flipH="1">
-            <a:off x="2462810" y="3694486"/>
-            <a:ext cx="4362396" cy="0"/>
+            <a:off x="281072" y="3262437"/>
+            <a:ext cx="3930348" cy="1"/>
           </a:xfrm>
           <a:prstGeom prst="line">
             <a:avLst/>
@@ -3960,7 +3974,7 @@
         </p:nvCxnSpPr>
         <p:spPr>
           <a:xfrm flipV="1">
-            <a:off x="3193369" y="3694486"/>
+            <a:off x="795607" y="3262438"/>
             <a:ext cx="0" cy="389432"/>
           </a:xfrm>
           <a:prstGeom prst="line">
@@ -4004,7 +4018,7 @@
         </p:nvCxnSpPr>
         <p:spPr>
           <a:xfrm flipV="1">
-            <a:off x="6094647" y="3694485"/>
+            <a:off x="3696885" y="3262437"/>
             <a:ext cx="0" cy="389433"/>
           </a:xfrm>
           <a:prstGeom prst="line">
@@ -4045,7 +4059,7 @@
         </p:nvCxnSpPr>
         <p:spPr>
           <a:xfrm>
-            <a:off x="4298664" y="2427734"/>
+            <a:off x="1900902" y="2254325"/>
             <a:ext cx="690688" cy="690688"/>
           </a:xfrm>
           <a:prstGeom prst="line">
@@ -4088,7 +4102,7 @@
         </p:nvCxnSpPr>
         <p:spPr>
           <a:xfrm flipH="1">
-            <a:off x="4298664" y="2427734"/>
+            <a:off x="1900902" y="2254325"/>
             <a:ext cx="664637" cy="690688"/>
           </a:xfrm>
           <a:prstGeom prst="line">
@@ -4098,6 +4112,973 @@
             <a:solidFill>
               <a:srgbClr val="C00000"/>
             </a:solidFill>
+          </a:ln>
+        </p:spPr>
+        <p:style>
+          <a:lnRef idx="1">
+            <a:schemeClr val="accent1"/>
+          </a:lnRef>
+          <a:fillRef idx="0">
+            <a:schemeClr val="accent1"/>
+          </a:fillRef>
+          <a:effectRef idx="0">
+            <a:schemeClr val="accent1"/>
+          </a:effectRef>
+          <a:fontRef idx="minor">
+            <a:schemeClr val="tx1"/>
+          </a:fontRef>
+        </p:style>
+      </p:cxnSp>
+      <p:sp>
+        <p:nvSpPr>
+          <p:cNvPr id="33" name="구름 32">
+            <a:extLst>
+              <a:ext uri="{FF2B5EF4-FFF2-40B4-BE49-F238E27FC236}">
+                <a16:creationId xmlns:a16="http://schemas.microsoft.com/office/drawing/2014/main" id="{2C47D619-BA54-4BB7-B5F0-020EE3AE8012}"/>
+              </a:ext>
+            </a:extLst>
+          </p:cNvPr>
+          <p:cNvSpPr/>
+          <p:nvPr/>
+        </p:nvSpPr>
+        <p:spPr>
+          <a:xfrm>
+            <a:off x="5870991" y="1246213"/>
+            <a:ext cx="1512168" cy="792088"/>
+          </a:xfrm>
+          <a:prstGeom prst="cloud">
+            <a:avLst/>
+          </a:prstGeom>
+        </p:spPr>
+        <p:style>
+          <a:lnRef idx="2">
+            <a:schemeClr val="dk1"/>
+          </a:lnRef>
+          <a:fillRef idx="1">
+            <a:schemeClr val="lt1"/>
+          </a:fillRef>
+          <a:effectRef idx="0">
+            <a:schemeClr val="dk1"/>
+          </a:effectRef>
+          <a:fontRef idx="minor">
+            <a:schemeClr val="dk1"/>
+          </a:fontRef>
+        </p:style>
+        <p:txBody>
+          <a:bodyPr rtlCol="0" anchor="ctr"/>
+          <a:lstStyle/>
+          <a:p>
+            <a:pPr algn="ctr"/>
+            <a:r>
+              <a:rPr lang="en-US" altLang="ko-KR" sz="1600"/>
+              <a:t>External</a:t>
+            </a:r>
+          </a:p>
+          <a:p>
+            <a:pPr algn="ctr"/>
+            <a:r>
+              <a:rPr lang="en-US" altLang="ko-KR" sz="1600"/>
+              <a:t>Network</a:t>
+            </a:r>
+            <a:endParaRPr lang="ko-KR" altLang="en-US" sz="1600"/>
+          </a:p>
+        </p:txBody>
+      </p:sp>
+      <p:pic>
+        <p:nvPicPr>
+          <p:cNvPr id="34" name="Picture 2" descr="C:\Users\Tmax\Desktop\Network-Router-icon.png">
+            <a:extLst>
+              <a:ext uri="{FF2B5EF4-FFF2-40B4-BE49-F238E27FC236}">
+                <a16:creationId xmlns:a16="http://schemas.microsoft.com/office/drawing/2014/main" id="{683F99B9-848C-49D8-ACC7-966C248960F6}"/>
+              </a:ext>
+            </a:extLst>
+          </p:cNvPr>
+          <p:cNvPicPr>
+            <a:picLocks noChangeAspect="1" noChangeArrowheads="1"/>
+          </p:cNvPicPr>
+          <p:nvPr/>
+        </p:nvPicPr>
+        <p:blipFill>
+          <a:blip r:embed="rId3" cstate="print">
+            <a:extLst>
+              <a:ext uri="{28A0092B-C50C-407E-A947-70E740481C1C}">
+                <a14:useLocalDpi xmlns:a14="http://schemas.microsoft.com/office/drawing/2010/main" val="0"/>
+              </a:ext>
+            </a:extLst>
+          </a:blip>
+          <a:srcRect/>
+          <a:stretch>
+            <a:fillRect/>
+          </a:stretch>
+        </p:blipFill>
+        <p:spPr bwMode="auto">
+          <a:xfrm>
+            <a:off x="5179940" y="2326333"/>
+            <a:ext cx="573190" cy="546672"/>
+          </a:xfrm>
+          <a:prstGeom prst="rect">
+            <a:avLst/>
+          </a:prstGeom>
+          <a:noFill/>
+          <a:extLst>
+            <a:ext uri="{909E8E84-426E-40DD-AFC4-6F175D3DCCD1}">
+              <a14:hiddenFill xmlns:a14="http://schemas.microsoft.com/office/drawing/2010/main">
+                <a:solidFill>
+                  <a:srgbClr val="FFFFFF"/>
+                </a:solidFill>
+              </a14:hiddenFill>
+            </a:ext>
+          </a:extLst>
+        </p:spPr>
+      </p:pic>
+      <p:sp>
+        <p:nvSpPr>
+          <p:cNvPr id="35" name="사각형: 둥근 모서리 34">
+            <a:extLst>
+              <a:ext uri="{FF2B5EF4-FFF2-40B4-BE49-F238E27FC236}">
+                <a16:creationId xmlns:a16="http://schemas.microsoft.com/office/drawing/2014/main" id="{90CDD805-859B-4420-839B-6ED4488E69BB}"/>
+              </a:ext>
+            </a:extLst>
+          </p:cNvPr>
+          <p:cNvSpPr/>
+          <p:nvPr/>
+        </p:nvSpPr>
+        <p:spPr>
+          <a:xfrm>
+            <a:off x="4661901" y="3651870"/>
+            <a:ext cx="1029070" cy="432048"/>
+          </a:xfrm>
+          <a:prstGeom prst="roundRect">
+            <a:avLst/>
+          </a:prstGeom>
+        </p:spPr>
+        <p:style>
+          <a:lnRef idx="2">
+            <a:schemeClr val="dk1"/>
+          </a:lnRef>
+          <a:fillRef idx="1">
+            <a:schemeClr val="lt1"/>
+          </a:fillRef>
+          <a:effectRef idx="0">
+            <a:schemeClr val="dk1"/>
+          </a:effectRef>
+          <a:fontRef idx="minor">
+            <a:schemeClr val="dk1"/>
+          </a:fontRef>
+        </p:style>
+        <p:txBody>
+          <a:bodyPr rtlCol="0" anchor="ctr"/>
+          <a:lstStyle/>
+          <a:p>
+            <a:pPr algn="ctr"/>
+            <a:r>
+              <a:rPr lang="en-US" altLang="ko-KR" sz="1600"/>
+              <a:t>Host A</a:t>
+            </a:r>
+            <a:endParaRPr lang="ko-KR" altLang="en-US" sz="1600"/>
+          </a:p>
+        </p:txBody>
+      </p:sp>
+      <p:sp>
+        <p:nvSpPr>
+          <p:cNvPr id="36" name="사각형: 둥근 모서리 35">
+            <a:extLst>
+              <a:ext uri="{FF2B5EF4-FFF2-40B4-BE49-F238E27FC236}">
+                <a16:creationId xmlns:a16="http://schemas.microsoft.com/office/drawing/2014/main" id="{1A1089A1-D3BF-4F56-B591-C7DB109231AA}"/>
+              </a:ext>
+            </a:extLst>
+          </p:cNvPr>
+          <p:cNvSpPr/>
+          <p:nvPr/>
+        </p:nvSpPr>
+        <p:spPr>
+          <a:xfrm>
+            <a:off x="7563179" y="3651870"/>
+            <a:ext cx="1029070" cy="432048"/>
+          </a:xfrm>
+          <a:prstGeom prst="roundRect">
+            <a:avLst/>
+          </a:prstGeom>
+        </p:spPr>
+        <p:style>
+          <a:lnRef idx="2">
+            <a:schemeClr val="dk1"/>
+          </a:lnRef>
+          <a:fillRef idx="1">
+            <a:schemeClr val="lt1"/>
+          </a:fillRef>
+          <a:effectRef idx="0">
+            <a:schemeClr val="dk1"/>
+          </a:effectRef>
+          <a:fontRef idx="minor">
+            <a:schemeClr val="dk1"/>
+          </a:fontRef>
+        </p:style>
+        <p:txBody>
+          <a:bodyPr rtlCol="0" anchor="ctr"/>
+          <a:lstStyle/>
+          <a:p>
+            <a:pPr algn="ctr"/>
+            <a:r>
+              <a:rPr lang="en-US" altLang="ko-KR" sz="1600"/>
+              <a:t>Host B</a:t>
+            </a:r>
+            <a:endParaRPr lang="ko-KR" altLang="en-US" sz="1600"/>
+          </a:p>
+        </p:txBody>
+      </p:sp>
+      <p:cxnSp>
+        <p:nvCxnSpPr>
+          <p:cNvPr id="39" name="직선 연결선 38">
+            <a:extLst>
+              <a:ext uri="{FF2B5EF4-FFF2-40B4-BE49-F238E27FC236}">
+                <a16:creationId xmlns:a16="http://schemas.microsoft.com/office/drawing/2014/main" id="{5C9839A7-1278-4142-9B36-58D8238456CD}"/>
+              </a:ext>
+            </a:extLst>
+          </p:cNvPr>
+          <p:cNvCxnSpPr>
+            <a:cxnSpLocks/>
+            <a:stCxn id="33" idx="1"/>
+            <a:endCxn id="34" idx="0"/>
+          </p:cNvCxnSpPr>
+          <p:nvPr/>
+        </p:nvCxnSpPr>
+        <p:spPr>
+          <a:xfrm flipH="1">
+            <a:off x="5466535" y="2037458"/>
+            <a:ext cx="1160540" cy="288875"/>
+          </a:xfrm>
+          <a:prstGeom prst="line">
+            <a:avLst/>
+          </a:prstGeom>
+          <a:ln w="28575">
+            <a:solidFill>
+              <a:schemeClr val="tx1"/>
+            </a:solidFill>
+          </a:ln>
+        </p:spPr>
+        <p:style>
+          <a:lnRef idx="1">
+            <a:schemeClr val="accent1"/>
+          </a:lnRef>
+          <a:fillRef idx="0">
+            <a:schemeClr val="accent1"/>
+          </a:fillRef>
+          <a:effectRef idx="0">
+            <a:schemeClr val="accent1"/>
+          </a:effectRef>
+          <a:fontRef idx="minor">
+            <a:schemeClr val="tx1"/>
+          </a:fontRef>
+        </p:style>
+      </p:cxnSp>
+      <p:cxnSp>
+        <p:nvCxnSpPr>
+          <p:cNvPr id="40" name="직선 연결선 39">
+            <a:extLst>
+              <a:ext uri="{FF2B5EF4-FFF2-40B4-BE49-F238E27FC236}">
+                <a16:creationId xmlns:a16="http://schemas.microsoft.com/office/drawing/2014/main" id="{1D4AE84D-6F60-48FC-B9DE-070B9FF2E2C9}"/>
+              </a:ext>
+            </a:extLst>
+          </p:cNvPr>
+          <p:cNvCxnSpPr>
+            <a:cxnSpLocks/>
+            <a:endCxn id="34" idx="2"/>
+          </p:cNvCxnSpPr>
+          <p:nvPr/>
+        </p:nvCxnSpPr>
+        <p:spPr>
+          <a:xfrm flipV="1">
+            <a:off x="5466535" y="2873005"/>
+            <a:ext cx="0" cy="389432"/>
+          </a:xfrm>
+          <a:prstGeom prst="line">
+            <a:avLst/>
+          </a:prstGeom>
+          <a:ln w="28575">
+            <a:solidFill>
+              <a:schemeClr val="tx1"/>
+            </a:solidFill>
+          </a:ln>
+        </p:spPr>
+        <p:style>
+          <a:lnRef idx="1">
+            <a:schemeClr val="accent1"/>
+          </a:lnRef>
+          <a:fillRef idx="0">
+            <a:schemeClr val="accent1"/>
+          </a:fillRef>
+          <a:effectRef idx="0">
+            <a:schemeClr val="accent1"/>
+          </a:effectRef>
+          <a:fontRef idx="minor">
+            <a:schemeClr val="tx1"/>
+          </a:fontRef>
+        </p:style>
+      </p:cxnSp>
+      <p:cxnSp>
+        <p:nvCxnSpPr>
+          <p:cNvPr id="41" name="직선 연결선 40">
+            <a:extLst>
+              <a:ext uri="{FF2B5EF4-FFF2-40B4-BE49-F238E27FC236}">
+                <a16:creationId xmlns:a16="http://schemas.microsoft.com/office/drawing/2014/main" id="{CBE5E33C-C341-4D49-B542-18816B71B5A1}"/>
+              </a:ext>
+            </a:extLst>
+          </p:cNvPr>
+          <p:cNvCxnSpPr>
+            <a:cxnSpLocks/>
+          </p:cNvCxnSpPr>
+          <p:nvPr/>
+        </p:nvCxnSpPr>
+        <p:spPr>
+          <a:xfrm flipH="1">
+            <a:off x="4661901" y="3262437"/>
+            <a:ext cx="3930348" cy="1"/>
+          </a:xfrm>
+          <a:prstGeom prst="line">
+            <a:avLst/>
+          </a:prstGeom>
+          <a:ln w="28575">
+            <a:solidFill>
+              <a:schemeClr val="tx1"/>
+            </a:solidFill>
+          </a:ln>
+        </p:spPr>
+        <p:style>
+          <a:lnRef idx="1">
+            <a:schemeClr val="accent1"/>
+          </a:lnRef>
+          <a:fillRef idx="0">
+            <a:schemeClr val="accent1"/>
+          </a:fillRef>
+          <a:effectRef idx="0">
+            <a:schemeClr val="accent1"/>
+          </a:effectRef>
+          <a:fontRef idx="minor">
+            <a:schemeClr val="tx1"/>
+          </a:fontRef>
+        </p:style>
+      </p:cxnSp>
+      <p:cxnSp>
+        <p:nvCxnSpPr>
+          <p:cNvPr id="42" name="직선 연결선 41">
+            <a:extLst>
+              <a:ext uri="{FF2B5EF4-FFF2-40B4-BE49-F238E27FC236}">
+                <a16:creationId xmlns:a16="http://schemas.microsoft.com/office/drawing/2014/main" id="{7309B8DE-C248-4780-A8B9-1C2DB63C6530}"/>
+              </a:ext>
+            </a:extLst>
+          </p:cNvPr>
+          <p:cNvCxnSpPr>
+            <a:cxnSpLocks/>
+            <a:stCxn id="35" idx="0"/>
+          </p:cNvCxnSpPr>
+          <p:nvPr/>
+        </p:nvCxnSpPr>
+        <p:spPr>
+          <a:xfrm flipV="1">
+            <a:off x="5176436" y="3262438"/>
+            <a:ext cx="0" cy="389432"/>
+          </a:xfrm>
+          <a:prstGeom prst="line">
+            <a:avLst/>
+          </a:prstGeom>
+          <a:ln w="28575">
+            <a:solidFill>
+              <a:schemeClr val="tx1"/>
+            </a:solidFill>
+          </a:ln>
+        </p:spPr>
+        <p:style>
+          <a:lnRef idx="1">
+            <a:schemeClr val="accent1"/>
+          </a:lnRef>
+          <a:fillRef idx="0">
+            <a:schemeClr val="accent1"/>
+          </a:fillRef>
+          <a:effectRef idx="0">
+            <a:schemeClr val="accent1"/>
+          </a:effectRef>
+          <a:fontRef idx="minor">
+            <a:schemeClr val="tx1"/>
+          </a:fontRef>
+        </p:style>
+      </p:cxnSp>
+      <p:cxnSp>
+        <p:nvCxnSpPr>
+          <p:cNvPr id="43" name="직선 연결선 42">
+            <a:extLst>
+              <a:ext uri="{FF2B5EF4-FFF2-40B4-BE49-F238E27FC236}">
+                <a16:creationId xmlns:a16="http://schemas.microsoft.com/office/drawing/2014/main" id="{1609B63C-2B33-45E3-AF23-E44727236430}"/>
+              </a:ext>
+            </a:extLst>
+          </p:cNvPr>
+          <p:cNvCxnSpPr>
+            <a:cxnSpLocks/>
+            <a:stCxn id="36" idx="0"/>
+          </p:cNvCxnSpPr>
+          <p:nvPr/>
+        </p:nvCxnSpPr>
+        <p:spPr>
+          <a:xfrm flipV="1">
+            <a:off x="8077714" y="3262437"/>
+            <a:ext cx="0" cy="389433"/>
+          </a:xfrm>
+          <a:prstGeom prst="line">
+            <a:avLst/>
+          </a:prstGeom>
+          <a:ln w="28575">
+            <a:solidFill>
+              <a:schemeClr val="tx1"/>
+            </a:solidFill>
+          </a:ln>
+        </p:spPr>
+        <p:style>
+          <a:lnRef idx="1">
+            <a:schemeClr val="accent1"/>
+          </a:lnRef>
+          <a:fillRef idx="0">
+            <a:schemeClr val="accent1"/>
+          </a:fillRef>
+          <a:effectRef idx="0">
+            <a:schemeClr val="accent1"/>
+          </a:effectRef>
+          <a:fontRef idx="minor">
+            <a:schemeClr val="tx1"/>
+          </a:fontRef>
+        </p:style>
+      </p:cxnSp>
+      <p:cxnSp>
+        <p:nvCxnSpPr>
+          <p:cNvPr id="44" name="직선 연결선 43">
+            <a:extLst>
+              <a:ext uri="{FF2B5EF4-FFF2-40B4-BE49-F238E27FC236}">
+                <a16:creationId xmlns:a16="http://schemas.microsoft.com/office/drawing/2014/main" id="{BDC93BA2-66FB-4E00-9E80-EBD3D7579D5F}"/>
+              </a:ext>
+            </a:extLst>
+          </p:cNvPr>
+          <p:cNvCxnSpPr/>
+          <p:nvPr/>
+        </p:nvCxnSpPr>
+        <p:spPr>
+          <a:xfrm>
+            <a:off x="5121191" y="2254325"/>
+            <a:ext cx="690688" cy="690688"/>
+          </a:xfrm>
+          <a:prstGeom prst="line">
+            <a:avLst/>
+          </a:prstGeom>
+          <a:ln w="28575">
+            <a:solidFill>
+              <a:srgbClr val="C00000"/>
+            </a:solidFill>
+          </a:ln>
+        </p:spPr>
+        <p:style>
+          <a:lnRef idx="1">
+            <a:schemeClr val="accent1"/>
+          </a:lnRef>
+          <a:fillRef idx="0">
+            <a:schemeClr val="accent1"/>
+          </a:fillRef>
+          <a:effectRef idx="0">
+            <a:schemeClr val="accent1"/>
+          </a:effectRef>
+          <a:fontRef idx="minor">
+            <a:schemeClr val="tx1"/>
+          </a:fontRef>
+        </p:style>
+      </p:cxnSp>
+      <p:cxnSp>
+        <p:nvCxnSpPr>
+          <p:cNvPr id="45" name="직선 연결선 44">
+            <a:extLst>
+              <a:ext uri="{FF2B5EF4-FFF2-40B4-BE49-F238E27FC236}">
+                <a16:creationId xmlns:a16="http://schemas.microsoft.com/office/drawing/2014/main" id="{9D58E273-2A1F-41D6-951C-2E5A95D62BEC}"/>
+              </a:ext>
+            </a:extLst>
+          </p:cNvPr>
+          <p:cNvCxnSpPr>
+            <a:cxnSpLocks/>
+          </p:cNvCxnSpPr>
+          <p:nvPr/>
+        </p:nvCxnSpPr>
+        <p:spPr>
+          <a:xfrm flipH="1">
+            <a:off x="5121191" y="2254325"/>
+            <a:ext cx="664637" cy="690688"/>
+          </a:xfrm>
+          <a:prstGeom prst="line">
+            <a:avLst/>
+          </a:prstGeom>
+          <a:ln w="28575">
+            <a:solidFill>
+              <a:srgbClr val="C00000"/>
+            </a:solidFill>
+          </a:ln>
+        </p:spPr>
+        <p:style>
+          <a:lnRef idx="1">
+            <a:schemeClr val="accent1"/>
+          </a:lnRef>
+          <a:fillRef idx="0">
+            <a:schemeClr val="accent1"/>
+          </a:fillRef>
+          <a:effectRef idx="0">
+            <a:schemeClr val="accent1"/>
+          </a:effectRef>
+          <a:fontRef idx="minor">
+            <a:schemeClr val="tx1"/>
+          </a:fontRef>
+        </p:style>
+      </p:cxnSp>
+      <p:pic>
+        <p:nvPicPr>
+          <p:cNvPr id="56" name="Picture 2" descr="C:\Users\Tmax\Desktop\Network-Router-icon.png">
+            <a:extLst>
+              <a:ext uri="{FF2B5EF4-FFF2-40B4-BE49-F238E27FC236}">
+                <a16:creationId xmlns:a16="http://schemas.microsoft.com/office/drawing/2014/main" id="{B75988F6-FF50-4B4D-BBDA-20EFBE47FC6C}"/>
+              </a:ext>
+            </a:extLst>
+          </p:cNvPr>
+          <p:cNvPicPr>
+            <a:picLocks noChangeAspect="1" noChangeArrowheads="1"/>
+          </p:cNvPicPr>
+          <p:nvPr/>
+        </p:nvPicPr>
+        <p:blipFill>
+          <a:blip r:embed="rId3" cstate="print">
+            <a:extLst>
+              <a:ext uri="{28A0092B-C50C-407E-A947-70E740481C1C}">
+                <a14:useLocalDpi xmlns:a14="http://schemas.microsoft.com/office/drawing/2010/main" val="0"/>
+              </a:ext>
+            </a:extLst>
+          </a:blip>
+          <a:srcRect/>
+          <a:stretch>
+            <a:fillRect/>
+          </a:stretch>
+        </p:blipFill>
+        <p:spPr bwMode="auto">
+          <a:xfrm>
+            <a:off x="7467079" y="2326333"/>
+            <a:ext cx="573190" cy="546672"/>
+          </a:xfrm>
+          <a:prstGeom prst="rect">
+            <a:avLst/>
+          </a:prstGeom>
+          <a:noFill/>
+          <a:extLst>
+            <a:ext uri="{909E8E84-426E-40DD-AFC4-6F175D3DCCD1}">
+              <a14:hiddenFill xmlns:a14="http://schemas.microsoft.com/office/drawing/2010/main">
+                <a:solidFill>
+                  <a:srgbClr val="FFFFFF"/>
+                </a:solidFill>
+              </a14:hiddenFill>
+            </a:ext>
+          </a:extLst>
+        </p:spPr>
+      </p:pic>
+      <p:cxnSp>
+        <p:nvCxnSpPr>
+          <p:cNvPr id="58" name="직선 연결선 57">
+            <a:extLst>
+              <a:ext uri="{FF2B5EF4-FFF2-40B4-BE49-F238E27FC236}">
+                <a16:creationId xmlns:a16="http://schemas.microsoft.com/office/drawing/2014/main" id="{1E036749-9554-4E15-8B91-897A775BFFC5}"/>
+              </a:ext>
+            </a:extLst>
+          </p:cNvPr>
+          <p:cNvCxnSpPr>
+            <a:cxnSpLocks/>
+            <a:stCxn id="33" idx="1"/>
+            <a:endCxn id="56" idx="0"/>
+          </p:cNvCxnSpPr>
+          <p:nvPr/>
+        </p:nvCxnSpPr>
+        <p:spPr>
+          <a:xfrm>
+            <a:off x="6627075" y="2037458"/>
+            <a:ext cx="1126599" cy="288875"/>
+          </a:xfrm>
+          <a:prstGeom prst="line">
+            <a:avLst/>
+          </a:prstGeom>
+          <a:ln w="28575">
+            <a:solidFill>
+              <a:schemeClr val="tx1"/>
+            </a:solidFill>
+          </a:ln>
+        </p:spPr>
+        <p:style>
+          <a:lnRef idx="1">
+            <a:schemeClr val="accent1"/>
+          </a:lnRef>
+          <a:fillRef idx="0">
+            <a:schemeClr val="accent1"/>
+          </a:fillRef>
+          <a:effectRef idx="0">
+            <a:schemeClr val="accent1"/>
+          </a:effectRef>
+          <a:fontRef idx="minor">
+            <a:schemeClr val="tx1"/>
+          </a:fontRef>
+        </p:style>
+      </p:cxnSp>
+      <p:cxnSp>
+        <p:nvCxnSpPr>
+          <p:cNvPr id="59" name="직선 연결선 58">
+            <a:extLst>
+              <a:ext uri="{FF2B5EF4-FFF2-40B4-BE49-F238E27FC236}">
+                <a16:creationId xmlns:a16="http://schemas.microsoft.com/office/drawing/2014/main" id="{3814C4D8-259A-4EE1-8EAB-F127D841E24C}"/>
+              </a:ext>
+            </a:extLst>
+          </p:cNvPr>
+          <p:cNvCxnSpPr>
+            <a:cxnSpLocks/>
+            <a:endCxn id="56" idx="2"/>
+          </p:cNvCxnSpPr>
+          <p:nvPr/>
+        </p:nvCxnSpPr>
+        <p:spPr>
+          <a:xfrm flipV="1">
+            <a:off x="7753674" y="2873005"/>
+            <a:ext cx="0" cy="389432"/>
+          </a:xfrm>
+          <a:prstGeom prst="line">
+            <a:avLst/>
+          </a:prstGeom>
+          <a:ln w="28575">
+            <a:solidFill>
+              <a:schemeClr val="tx1"/>
+            </a:solidFill>
+          </a:ln>
+        </p:spPr>
+        <p:style>
+          <a:lnRef idx="1">
+            <a:schemeClr val="accent1"/>
+          </a:lnRef>
+          <a:fillRef idx="0">
+            <a:schemeClr val="accent1"/>
+          </a:fillRef>
+          <a:effectRef idx="0">
+            <a:schemeClr val="accent1"/>
+          </a:effectRef>
+          <a:fontRef idx="minor">
+            <a:schemeClr val="tx1"/>
+          </a:fontRef>
+        </p:style>
+      </p:cxnSp>
+      <p:sp>
+        <p:nvSpPr>
+          <p:cNvPr id="64" name="TextBox 63">
+            <a:extLst>
+              <a:ext uri="{FF2B5EF4-FFF2-40B4-BE49-F238E27FC236}">
+                <a16:creationId xmlns:a16="http://schemas.microsoft.com/office/drawing/2014/main" id="{F4CD5AA6-1FEC-4D84-844F-BE369AB2DCDC}"/>
+              </a:ext>
+            </a:extLst>
+          </p:cNvPr>
+          <p:cNvSpPr txBox="1"/>
+          <p:nvPr/>
+        </p:nvSpPr>
+        <p:spPr>
+          <a:xfrm>
+            <a:off x="170342" y="4083918"/>
+            <a:ext cx="1664237" cy="276999"/>
+          </a:xfrm>
+          <a:prstGeom prst="rect">
+            <a:avLst/>
+          </a:prstGeom>
+          <a:noFill/>
+        </p:spPr>
+        <p:txBody>
+          <a:bodyPr wrap="none" rtlCol="0">
+            <a:spAutoFit/>
+          </a:bodyPr>
+          <a:lstStyle/>
+          <a:p>
+            <a:pPr algn="ctr"/>
+            <a:r>
+              <a:rPr lang="en-US" altLang="ko-KR" sz="1200"/>
+              <a:t>Default GW : 10.0.0.1</a:t>
+            </a:r>
+            <a:endParaRPr lang="ko-KR" altLang="en-US" sz="1200"/>
+          </a:p>
+        </p:txBody>
+      </p:sp>
+      <p:sp>
+        <p:nvSpPr>
+          <p:cNvPr id="65" name="TextBox 64">
+            <a:extLst>
+              <a:ext uri="{FF2B5EF4-FFF2-40B4-BE49-F238E27FC236}">
+                <a16:creationId xmlns:a16="http://schemas.microsoft.com/office/drawing/2014/main" id="{77EEA0D4-9374-4EE0-AAF8-064460AB09F2}"/>
+              </a:ext>
+            </a:extLst>
+          </p:cNvPr>
+          <p:cNvSpPr txBox="1"/>
+          <p:nvPr/>
+        </p:nvSpPr>
+        <p:spPr>
+          <a:xfrm>
+            <a:off x="2660053" y="4083918"/>
+            <a:ext cx="1664237" cy="276999"/>
+          </a:xfrm>
+          <a:prstGeom prst="rect">
+            <a:avLst/>
+          </a:prstGeom>
+          <a:noFill/>
+        </p:spPr>
+        <p:txBody>
+          <a:bodyPr wrap="none" rtlCol="0">
+            <a:spAutoFit/>
+          </a:bodyPr>
+          <a:lstStyle/>
+          <a:p>
+            <a:pPr algn="ctr"/>
+            <a:r>
+              <a:rPr lang="en-US" altLang="ko-KR" sz="1200"/>
+              <a:t>Default GW : 10.0.0.1</a:t>
+            </a:r>
+            <a:endParaRPr lang="ko-KR" altLang="en-US" sz="1200"/>
+          </a:p>
+        </p:txBody>
+      </p:sp>
+      <p:sp>
+        <p:nvSpPr>
+          <p:cNvPr id="66" name="TextBox 65">
+            <a:extLst>
+              <a:ext uri="{FF2B5EF4-FFF2-40B4-BE49-F238E27FC236}">
+                <a16:creationId xmlns:a16="http://schemas.microsoft.com/office/drawing/2014/main" id="{7CE65506-403D-4263-A839-0B3001E672B7}"/>
+              </a:ext>
+            </a:extLst>
+          </p:cNvPr>
+          <p:cNvSpPr txBox="1"/>
+          <p:nvPr/>
+        </p:nvSpPr>
+        <p:spPr>
+          <a:xfrm>
+            <a:off x="4559909" y="4083918"/>
+            <a:ext cx="1664237" cy="276999"/>
+          </a:xfrm>
+          <a:prstGeom prst="rect">
+            <a:avLst/>
+          </a:prstGeom>
+          <a:noFill/>
+        </p:spPr>
+        <p:txBody>
+          <a:bodyPr wrap="none" rtlCol="0">
+            <a:spAutoFit/>
+          </a:bodyPr>
+          <a:lstStyle/>
+          <a:p>
+            <a:pPr algn="ctr"/>
+            <a:r>
+              <a:rPr lang="en-US" altLang="ko-KR" sz="1200"/>
+              <a:t>Default GW : 10.0.0.1</a:t>
+            </a:r>
+            <a:endParaRPr lang="ko-KR" altLang="en-US" sz="1200"/>
+          </a:p>
+        </p:txBody>
+      </p:sp>
+      <p:sp>
+        <p:nvSpPr>
+          <p:cNvPr id="67" name="TextBox 66">
+            <a:extLst>
+              <a:ext uri="{FF2B5EF4-FFF2-40B4-BE49-F238E27FC236}">
+                <a16:creationId xmlns:a16="http://schemas.microsoft.com/office/drawing/2014/main" id="{FF8AA815-5240-498A-AF90-F202AF927984}"/>
+              </a:ext>
+            </a:extLst>
+          </p:cNvPr>
+          <p:cNvSpPr txBox="1"/>
+          <p:nvPr/>
+        </p:nvSpPr>
+        <p:spPr>
+          <a:xfrm>
+            <a:off x="7074567" y="4083917"/>
+            <a:ext cx="1664237" cy="276999"/>
+          </a:xfrm>
+          <a:prstGeom prst="rect">
+            <a:avLst/>
+          </a:prstGeom>
+          <a:noFill/>
+        </p:spPr>
+        <p:txBody>
+          <a:bodyPr wrap="none" rtlCol="0">
+            <a:spAutoFit/>
+          </a:bodyPr>
+          <a:lstStyle/>
+          <a:p>
+            <a:pPr algn="ctr"/>
+            <a:r>
+              <a:rPr lang="en-US" altLang="ko-KR" sz="1200"/>
+              <a:t>Default GW : 10.0.0.1</a:t>
+            </a:r>
+            <a:endParaRPr lang="ko-KR" altLang="en-US" sz="1200"/>
+          </a:p>
+        </p:txBody>
+      </p:sp>
+      <p:sp>
+        <p:nvSpPr>
+          <p:cNvPr id="70" name="TextBox 69">
+            <a:extLst>
+              <a:ext uri="{FF2B5EF4-FFF2-40B4-BE49-F238E27FC236}">
+                <a16:creationId xmlns:a16="http://schemas.microsoft.com/office/drawing/2014/main" id="{F666AF41-C368-4DA8-9618-C495F07E6F9C}"/>
+              </a:ext>
+            </a:extLst>
+          </p:cNvPr>
+          <p:cNvSpPr txBox="1"/>
+          <p:nvPr/>
+        </p:nvSpPr>
+        <p:spPr>
+          <a:xfrm>
+            <a:off x="4139952" y="2338059"/>
+            <a:ext cx="1117614" cy="523220"/>
+          </a:xfrm>
+          <a:prstGeom prst="rect">
+            <a:avLst/>
+          </a:prstGeom>
+          <a:noFill/>
+        </p:spPr>
+        <p:txBody>
+          <a:bodyPr wrap="none" rtlCol="0">
+            <a:spAutoFit/>
+          </a:bodyPr>
+          <a:lstStyle/>
+          <a:p>
+            <a:pPr algn="ctr"/>
+            <a:r>
+              <a:rPr lang="en-US" altLang="ko-KR" sz="1400"/>
+              <a:t>Router A</a:t>
+            </a:r>
+          </a:p>
+          <a:p>
+            <a:pPr algn="ctr"/>
+            <a:r>
+              <a:rPr lang="en-US" altLang="ko-KR" sz="1400"/>
+              <a:t>IP : 10.0.0.1</a:t>
+            </a:r>
+            <a:endParaRPr lang="ko-KR" altLang="en-US" sz="1400"/>
+          </a:p>
+        </p:txBody>
+      </p:sp>
+      <p:sp>
+        <p:nvSpPr>
+          <p:cNvPr id="71" name="TextBox 70">
+            <a:extLst>
+              <a:ext uri="{FF2B5EF4-FFF2-40B4-BE49-F238E27FC236}">
+                <a16:creationId xmlns:a16="http://schemas.microsoft.com/office/drawing/2014/main" id="{4A72A2EC-A6F9-4B66-8DFA-C8AFA00DB75B}"/>
+              </a:ext>
+            </a:extLst>
+          </p:cNvPr>
+          <p:cNvSpPr txBox="1"/>
+          <p:nvPr/>
+        </p:nvSpPr>
+        <p:spPr>
+          <a:xfrm>
+            <a:off x="6444208" y="2338059"/>
+            <a:ext cx="1117614" cy="523220"/>
+          </a:xfrm>
+          <a:prstGeom prst="rect">
+            <a:avLst/>
+          </a:prstGeom>
+          <a:noFill/>
+        </p:spPr>
+        <p:txBody>
+          <a:bodyPr wrap="none" rtlCol="0">
+            <a:spAutoFit/>
+          </a:bodyPr>
+          <a:lstStyle/>
+          <a:p>
+            <a:pPr algn="ctr"/>
+            <a:r>
+              <a:rPr lang="en-US" altLang="ko-KR" sz="1400"/>
+              <a:t>Router B</a:t>
+            </a:r>
+          </a:p>
+          <a:p>
+            <a:pPr algn="ctr"/>
+            <a:r>
+              <a:rPr lang="en-US" altLang="ko-KR" sz="1400"/>
+              <a:t>IP : 10.0.0.2</a:t>
+            </a:r>
+            <a:endParaRPr lang="ko-KR" altLang="en-US" sz="1400"/>
+          </a:p>
+        </p:txBody>
+      </p:sp>
+      <p:cxnSp>
+        <p:nvCxnSpPr>
+          <p:cNvPr id="74" name="직선 화살표 연결선 73">
+            <a:extLst>
+              <a:ext uri="{FF2B5EF4-FFF2-40B4-BE49-F238E27FC236}">
+                <a16:creationId xmlns:a16="http://schemas.microsoft.com/office/drawing/2014/main" id="{48B5661B-D440-489F-B5E3-77ED83A56F81}"/>
+              </a:ext>
+            </a:extLst>
+          </p:cNvPr>
+          <p:cNvCxnSpPr>
+            <a:stCxn id="35" idx="0"/>
+            <a:endCxn id="34" idx="2"/>
+          </p:cNvCxnSpPr>
+          <p:nvPr/>
+        </p:nvCxnSpPr>
+        <p:spPr>
+          <a:xfrm flipV="1">
+            <a:off x="5176436" y="2873005"/>
+            <a:ext cx="290099" cy="778865"/>
+          </a:xfrm>
+          <a:prstGeom prst="straightConnector1">
+            <a:avLst/>
+          </a:prstGeom>
+          <a:ln w="28575">
+            <a:solidFill>
+              <a:schemeClr val="tx2"/>
+            </a:solidFill>
+            <a:headEnd type="none" w="med" len="med"/>
+            <a:tailEnd type="arrow" w="med" len="med"/>
+          </a:ln>
+        </p:spPr>
+        <p:style>
+          <a:lnRef idx="1">
+            <a:schemeClr val="accent1"/>
+          </a:lnRef>
+          <a:fillRef idx="0">
+            <a:schemeClr val="accent1"/>
+          </a:fillRef>
+          <a:effectRef idx="0">
+            <a:schemeClr val="accent1"/>
+          </a:effectRef>
+          <a:fontRef idx="minor">
+            <a:schemeClr val="tx1"/>
+          </a:fontRef>
+        </p:style>
+      </p:cxnSp>
+      <p:cxnSp>
+        <p:nvCxnSpPr>
+          <p:cNvPr id="75" name="직선 화살표 연결선 74">
+            <a:extLst>
+              <a:ext uri="{FF2B5EF4-FFF2-40B4-BE49-F238E27FC236}">
+                <a16:creationId xmlns:a16="http://schemas.microsoft.com/office/drawing/2014/main" id="{994EDBFE-4E13-4455-99E0-3206FD9F3939}"/>
+              </a:ext>
+            </a:extLst>
+          </p:cNvPr>
+          <p:cNvCxnSpPr>
+            <a:cxnSpLocks/>
+            <a:stCxn id="36" idx="0"/>
+            <a:endCxn id="34" idx="2"/>
+          </p:cNvCxnSpPr>
+          <p:nvPr/>
+        </p:nvCxnSpPr>
+        <p:spPr>
+          <a:xfrm flipH="1" flipV="1">
+            <a:off x="5466535" y="2873005"/>
+            <a:ext cx="2611179" cy="778865"/>
+          </a:xfrm>
+          <a:prstGeom prst="straightConnector1">
+            <a:avLst/>
+          </a:prstGeom>
+          <a:ln w="28575">
+            <a:solidFill>
+              <a:schemeClr val="tx2"/>
+            </a:solidFill>
+            <a:headEnd type="none" w="med" len="med"/>
+            <a:tailEnd type="arrow" w="med" len="med"/>
           </a:ln>
         </p:spPr>
         <p:style>
@@ -4166,6 +5147,11 @@
             <a:avLst/>
           </a:prstGeom>
           <a:ln>
+            <a:solidFill>
+              <a:schemeClr val="bg1">
+                <a:lumMod val="65000"/>
+              </a:schemeClr>
+            </a:solidFill>
             <a:prstDash val="dash"/>
           </a:ln>
         </p:spPr>
@@ -4275,6 +5261,13 @@
         <p:txBody>
           <a:bodyPr rtlCol="0" anchor="ctr"/>
           <a:lstStyle/>
+          <a:p>
+            <a:pPr algn="ctr"/>
+            <a:r>
+              <a:rPr lang="en-US" altLang="ko-KR" sz="1600"/>
+              <a:t>External</a:t>
+            </a:r>
+          </a:p>
           <a:p>
             <a:pPr algn="ctr"/>
             <a:r>
@@ -5492,6 +6485,117 @@
           <a:p>
             <a:pPr algn="ctr"/>
             <a:endParaRPr lang="ko-KR" altLang="en-US"/>
+          </a:p>
+        </p:txBody>
+      </p:sp>
+      <p:sp>
+        <p:nvSpPr>
+          <p:cNvPr id="31" name="TextBox 30">
+            <a:extLst>
+              <a:ext uri="{FF2B5EF4-FFF2-40B4-BE49-F238E27FC236}">
+                <a16:creationId xmlns:a16="http://schemas.microsoft.com/office/drawing/2014/main" id="{7A077D7F-76B2-44C7-A402-4C84B06767A2}"/>
+              </a:ext>
+            </a:extLst>
+          </p:cNvPr>
+          <p:cNvSpPr txBox="1"/>
+          <p:nvPr/>
+        </p:nvSpPr>
+        <p:spPr>
+          <a:xfrm>
+            <a:off x="1619672" y="4538512"/>
+            <a:ext cx="1664237" cy="276999"/>
+          </a:xfrm>
+          <a:prstGeom prst="rect">
+            <a:avLst/>
+          </a:prstGeom>
+          <a:noFill/>
+        </p:spPr>
+        <p:txBody>
+          <a:bodyPr wrap="none" rtlCol="0">
+            <a:spAutoFit/>
+          </a:bodyPr>
+          <a:lstStyle/>
+          <a:p>
+            <a:pPr algn="ctr"/>
+            <a:r>
+              <a:rPr lang="en-US" altLang="ko-KR" sz="1200"/>
+              <a:t>Default GW : 10.0.0.1</a:t>
+            </a:r>
+            <a:endParaRPr lang="ko-KR" altLang="en-US" sz="1200"/>
+          </a:p>
+        </p:txBody>
+      </p:sp>
+      <p:sp>
+        <p:nvSpPr>
+          <p:cNvPr id="32" name="TextBox 31">
+            <a:extLst>
+              <a:ext uri="{FF2B5EF4-FFF2-40B4-BE49-F238E27FC236}">
+                <a16:creationId xmlns:a16="http://schemas.microsoft.com/office/drawing/2014/main" id="{266285F7-0C69-4807-A435-5D46437CFD12}"/>
+              </a:ext>
+            </a:extLst>
+          </p:cNvPr>
+          <p:cNvSpPr txBox="1"/>
+          <p:nvPr/>
+        </p:nvSpPr>
+        <p:spPr>
+          <a:xfrm>
+            <a:off x="4139952" y="4538512"/>
+            <a:ext cx="1664237" cy="276999"/>
+          </a:xfrm>
+          <a:prstGeom prst="rect">
+            <a:avLst/>
+          </a:prstGeom>
+          <a:noFill/>
+        </p:spPr>
+        <p:txBody>
+          <a:bodyPr wrap="none" rtlCol="0">
+            <a:spAutoFit/>
+          </a:bodyPr>
+          <a:lstStyle/>
+          <a:p>
+            <a:pPr algn="ctr"/>
+            <a:r>
+              <a:rPr lang="en-US" altLang="ko-KR" sz="1200"/>
+              <a:t>Default GW : 10.0.0.1</a:t>
+            </a:r>
+            <a:endParaRPr lang="ko-KR" altLang="en-US" sz="1200"/>
+          </a:p>
+        </p:txBody>
+      </p:sp>
+      <p:sp>
+        <p:nvSpPr>
+          <p:cNvPr id="38" name="TextBox 37">
+            <a:extLst>
+              <a:ext uri="{FF2B5EF4-FFF2-40B4-BE49-F238E27FC236}">
+                <a16:creationId xmlns:a16="http://schemas.microsoft.com/office/drawing/2014/main" id="{ED1E9CEA-921F-4B04-AF75-4086C16A8D26}"/>
+              </a:ext>
+            </a:extLst>
+          </p:cNvPr>
+          <p:cNvSpPr txBox="1"/>
+          <p:nvPr/>
+        </p:nvSpPr>
+        <p:spPr>
+          <a:xfrm>
+            <a:off x="2929338" y="3730082"/>
+            <a:ext cx="1552926" cy="307777"/>
+          </a:xfrm>
+          <a:prstGeom prst="rect">
+            <a:avLst/>
+          </a:prstGeom>
+          <a:noFill/>
+        </p:spPr>
+        <p:txBody>
+          <a:bodyPr wrap="none" rtlCol="0">
+            <a:spAutoFit/>
+          </a:bodyPr>
+          <a:lstStyle/>
+          <a:p>
+            <a:pPr algn="ctr"/>
+            <a:r>
+              <a:rPr lang="en-US" altLang="ko-KR" sz="1400"/>
+              <a:t>Internal Network</a:t>
+            </a:r>
+            <a:endParaRPr lang="ko-KR" altLang="en-US" sz="1400"/>
           </a:p>
         </p:txBody>
       </p:sp>
